--- a/logo2.pptx
+++ b/logo2.pptx
@@ -104,6 +104,11 @@
       </a:defRPr>
     </a:lvl9pPr>
   </p:defaultTextStyle>
+  <p:extLst>
+    <p:ext uri="{EFAFB233-063F-42B5-8137-9DF3F51BA10A}">
+      <p15:sldGuideLst xmlns:p15="http://schemas.microsoft.com/office/powerpoint/2012/main"/>
+    </p:ext>
+  </p:extLst>
 </p:presentation>
 </file>
 
@@ -238,7 +243,7 @@
           <a:p>
             <a:fld id="{61D3F908-918C-4133-978B-35F442A02468}" type="datetimeFigureOut">
               <a:rPr lang="en-US" smtClean="0"/>
-              <a:t>2/9/2020</a:t>
+              <a:t>3/29/2020</a:t>
             </a:fld>
             <a:endParaRPr lang="en-US"/>
           </a:p>
@@ -408,7 +413,7 @@
           <a:p>
             <a:fld id="{61D3F908-918C-4133-978B-35F442A02468}" type="datetimeFigureOut">
               <a:rPr lang="en-US" smtClean="0"/>
-              <a:t>2/9/2020</a:t>
+              <a:t>3/29/2020</a:t>
             </a:fld>
             <a:endParaRPr lang="en-US"/>
           </a:p>
@@ -588,7 +593,7 @@
           <a:p>
             <a:fld id="{61D3F908-918C-4133-978B-35F442A02468}" type="datetimeFigureOut">
               <a:rPr lang="en-US" smtClean="0"/>
-              <a:t>2/9/2020</a:t>
+              <a:t>3/29/2020</a:t>
             </a:fld>
             <a:endParaRPr lang="en-US"/>
           </a:p>
@@ -758,7 +763,7 @@
           <a:p>
             <a:fld id="{61D3F908-918C-4133-978B-35F442A02468}" type="datetimeFigureOut">
               <a:rPr lang="en-US" smtClean="0"/>
-              <a:t>2/9/2020</a:t>
+              <a:t>3/29/2020</a:t>
             </a:fld>
             <a:endParaRPr lang="en-US"/>
           </a:p>
@@ -1004,7 +1009,7 @@
           <a:p>
             <a:fld id="{61D3F908-918C-4133-978B-35F442A02468}" type="datetimeFigureOut">
               <a:rPr lang="en-US" smtClean="0"/>
-              <a:t>2/9/2020</a:t>
+              <a:t>3/29/2020</a:t>
             </a:fld>
             <a:endParaRPr lang="en-US"/>
           </a:p>
@@ -1236,7 +1241,7 @@
           <a:p>
             <a:fld id="{61D3F908-918C-4133-978B-35F442A02468}" type="datetimeFigureOut">
               <a:rPr lang="en-US" smtClean="0"/>
-              <a:t>2/9/2020</a:t>
+              <a:t>3/29/2020</a:t>
             </a:fld>
             <a:endParaRPr lang="en-US"/>
           </a:p>
@@ -1603,7 +1608,7 @@
           <a:p>
             <a:fld id="{61D3F908-918C-4133-978B-35F442A02468}" type="datetimeFigureOut">
               <a:rPr lang="en-US" smtClean="0"/>
-              <a:t>2/9/2020</a:t>
+              <a:t>3/29/2020</a:t>
             </a:fld>
             <a:endParaRPr lang="en-US"/>
           </a:p>
@@ -1721,7 +1726,7 @@
           <a:p>
             <a:fld id="{61D3F908-918C-4133-978B-35F442A02468}" type="datetimeFigureOut">
               <a:rPr lang="en-US" smtClean="0"/>
-              <a:t>2/9/2020</a:t>
+              <a:t>3/29/2020</a:t>
             </a:fld>
             <a:endParaRPr lang="en-US"/>
           </a:p>
@@ -1816,7 +1821,7 @@
           <a:p>
             <a:fld id="{61D3F908-918C-4133-978B-35F442A02468}" type="datetimeFigureOut">
               <a:rPr lang="en-US" smtClean="0"/>
-              <a:t>2/9/2020</a:t>
+              <a:t>3/29/2020</a:t>
             </a:fld>
             <a:endParaRPr lang="en-US"/>
           </a:p>
@@ -2093,7 +2098,7 @@
           <a:p>
             <a:fld id="{61D3F908-918C-4133-978B-35F442A02468}" type="datetimeFigureOut">
               <a:rPr lang="en-US" smtClean="0"/>
-              <a:t>2/9/2020</a:t>
+              <a:t>3/29/2020</a:t>
             </a:fld>
             <a:endParaRPr lang="en-US"/>
           </a:p>
@@ -2346,7 +2351,7 @@
           <a:p>
             <a:fld id="{61D3F908-918C-4133-978B-35F442A02468}" type="datetimeFigureOut">
               <a:rPr lang="en-US" smtClean="0"/>
-              <a:t>2/9/2020</a:t>
+              <a:t>3/29/2020</a:t>
             </a:fld>
             <a:endParaRPr lang="en-US"/>
           </a:p>
@@ -2559,7 +2564,7 @@
           <a:p>
             <a:fld id="{61D3F908-918C-4133-978B-35F442A02468}" type="datetimeFigureOut">
               <a:rPr lang="en-US" smtClean="0"/>
-              <a:t>2/9/2020</a:t>
+              <a:t>3/29/2020</a:t>
             </a:fld>
             <a:endParaRPr lang="en-US"/>
           </a:p>
@@ -3127,6 +3132,90 @@
           </a:p>
         </p:txBody>
       </p:sp>
+      <p:sp>
+        <p:nvSpPr>
+          <p:cNvPr id="2" name="Rounded Rectangle 1"/>
+          <p:cNvSpPr/>
+          <p:nvPr/>
+        </p:nvSpPr>
+        <p:spPr>
+          <a:xfrm>
+            <a:off x="1899139" y="2693323"/>
+            <a:ext cx="914400" cy="914400"/>
+          </a:xfrm>
+          <a:prstGeom prst="roundRect">
+            <a:avLst/>
+          </a:prstGeom>
+          <a:solidFill>
+            <a:schemeClr val="accent2"/>
+          </a:solidFill>
+          <a:ln w="76200">
+            <a:solidFill>
+              <a:srgbClr val="FF0000"/>
+            </a:solidFill>
+          </a:ln>
+        </p:spPr>
+        <p:style>
+          <a:lnRef idx="2">
+            <a:schemeClr val="accent1">
+              <a:shade val="50000"/>
+            </a:schemeClr>
+          </a:lnRef>
+          <a:fillRef idx="1">
+            <a:schemeClr val="accent1"/>
+          </a:fillRef>
+          <a:effectRef idx="0">
+            <a:schemeClr val="accent1"/>
+          </a:effectRef>
+          <a:fontRef idx="minor">
+            <a:schemeClr val="lt1"/>
+          </a:fontRef>
+        </p:style>
+        <p:txBody>
+          <a:bodyPr rtlCol="0" anchor="ctr"/>
+          <a:lstStyle/>
+          <a:p>
+            <a:pPr algn="ctr"/>
+            <a:endParaRPr lang="en-US"/>
+          </a:p>
+        </p:txBody>
+      </p:sp>
+      <p:sp>
+        <p:nvSpPr>
+          <p:cNvPr id="7" name="TextBox 6"/>
+          <p:cNvSpPr txBox="1"/>
+          <p:nvPr/>
+        </p:nvSpPr>
+        <p:spPr>
+          <a:xfrm>
+            <a:off x="2107713" y="2735024"/>
+            <a:ext cx="497252" cy="830997"/>
+          </a:xfrm>
+          <a:prstGeom prst="rect">
+            <a:avLst/>
+          </a:prstGeom>
+          <a:noFill/>
+        </p:spPr>
+        <p:txBody>
+          <a:bodyPr wrap="none" rtlCol="0">
+            <a:spAutoFit/>
+          </a:bodyPr>
+          <a:lstStyle/>
+          <a:p>
+            <a:r>
+              <a:rPr lang="en-US" sz="4800" b="1" dirty="0" smtClean="0">
+                <a:ea typeface="Microsoft YaHei UI" panose="020B0503020204020204" pitchFamily="34" charset="-122"/>
+                <a:cs typeface="Calibri" panose="020F0502020204030204" pitchFamily="34" charset="0"/>
+              </a:rPr>
+              <a:t>5</a:t>
+            </a:r>
+            <a:endParaRPr lang="en-US" sz="4000" b="1" dirty="0">
+              <a:ea typeface="Microsoft YaHei UI" panose="020B0503020204020204" pitchFamily="34" charset="-122"/>
+              <a:cs typeface="Calibri" panose="020F0502020204030204" pitchFamily="34" charset="0"/>
+            </a:endParaRPr>
+          </a:p>
+        </p:txBody>
+      </p:sp>
     </p:spTree>
     <p:extLst>
       <p:ext uri="{BB962C8B-B14F-4D97-AF65-F5344CB8AC3E}">

--- a/logo2.pptx
+++ b/logo2.pptx
@@ -6,6 +6,7 @@
   </p:sldMasterIdLst>
   <p:sldIdLst>
     <p:sldId id="256" r:id="rId2"/>
+    <p:sldId id="257" r:id="rId3"/>
   </p:sldIdLst>
   <p:sldSz cx="12192000" cy="6858000"/>
   <p:notesSz cx="6858000" cy="9144000"/>
@@ -243,7 +244,7 @@
           <a:p>
             <a:fld id="{61D3F908-918C-4133-978B-35F442A02468}" type="datetimeFigureOut">
               <a:rPr lang="en-US" smtClean="0"/>
-              <a:t>3/29/2020</a:t>
+              <a:t>7/13/2020</a:t>
             </a:fld>
             <a:endParaRPr lang="en-US"/>
           </a:p>
@@ -413,7 +414,7 @@
           <a:p>
             <a:fld id="{61D3F908-918C-4133-978B-35F442A02468}" type="datetimeFigureOut">
               <a:rPr lang="en-US" smtClean="0"/>
-              <a:t>3/29/2020</a:t>
+              <a:t>7/13/2020</a:t>
             </a:fld>
             <a:endParaRPr lang="en-US"/>
           </a:p>
@@ -593,7 +594,7 @@
           <a:p>
             <a:fld id="{61D3F908-918C-4133-978B-35F442A02468}" type="datetimeFigureOut">
               <a:rPr lang="en-US" smtClean="0"/>
-              <a:t>3/29/2020</a:t>
+              <a:t>7/13/2020</a:t>
             </a:fld>
             <a:endParaRPr lang="en-US"/>
           </a:p>
@@ -763,7 +764,7 @@
           <a:p>
             <a:fld id="{61D3F908-918C-4133-978B-35F442A02468}" type="datetimeFigureOut">
               <a:rPr lang="en-US" smtClean="0"/>
-              <a:t>3/29/2020</a:t>
+              <a:t>7/13/2020</a:t>
             </a:fld>
             <a:endParaRPr lang="en-US"/>
           </a:p>
@@ -1009,7 +1010,7 @@
           <a:p>
             <a:fld id="{61D3F908-918C-4133-978B-35F442A02468}" type="datetimeFigureOut">
               <a:rPr lang="en-US" smtClean="0"/>
-              <a:t>3/29/2020</a:t>
+              <a:t>7/13/2020</a:t>
             </a:fld>
             <a:endParaRPr lang="en-US"/>
           </a:p>
@@ -1241,7 +1242,7 @@
           <a:p>
             <a:fld id="{61D3F908-918C-4133-978B-35F442A02468}" type="datetimeFigureOut">
               <a:rPr lang="en-US" smtClean="0"/>
-              <a:t>3/29/2020</a:t>
+              <a:t>7/13/2020</a:t>
             </a:fld>
             <a:endParaRPr lang="en-US"/>
           </a:p>
@@ -1608,7 +1609,7 @@
           <a:p>
             <a:fld id="{61D3F908-918C-4133-978B-35F442A02468}" type="datetimeFigureOut">
               <a:rPr lang="en-US" smtClean="0"/>
-              <a:t>3/29/2020</a:t>
+              <a:t>7/13/2020</a:t>
             </a:fld>
             <a:endParaRPr lang="en-US"/>
           </a:p>
@@ -1726,7 +1727,7 @@
           <a:p>
             <a:fld id="{61D3F908-918C-4133-978B-35F442A02468}" type="datetimeFigureOut">
               <a:rPr lang="en-US" smtClean="0"/>
-              <a:t>3/29/2020</a:t>
+              <a:t>7/13/2020</a:t>
             </a:fld>
             <a:endParaRPr lang="en-US"/>
           </a:p>
@@ -1821,7 +1822,7 @@
           <a:p>
             <a:fld id="{61D3F908-918C-4133-978B-35F442A02468}" type="datetimeFigureOut">
               <a:rPr lang="en-US" smtClean="0"/>
-              <a:t>3/29/2020</a:t>
+              <a:t>7/13/2020</a:t>
             </a:fld>
             <a:endParaRPr lang="en-US"/>
           </a:p>
@@ -2098,7 +2099,7 @@
           <a:p>
             <a:fld id="{61D3F908-918C-4133-978B-35F442A02468}" type="datetimeFigureOut">
               <a:rPr lang="en-US" smtClean="0"/>
-              <a:t>3/29/2020</a:t>
+              <a:t>7/13/2020</a:t>
             </a:fld>
             <a:endParaRPr lang="en-US"/>
           </a:p>
@@ -2351,7 +2352,7 @@
           <a:p>
             <a:fld id="{61D3F908-918C-4133-978B-35F442A02468}" type="datetimeFigureOut">
               <a:rPr lang="en-US" smtClean="0"/>
-              <a:t>3/29/2020</a:t>
+              <a:t>7/13/2020</a:t>
             </a:fld>
             <a:endParaRPr lang="en-US"/>
           </a:p>
@@ -2564,7 +2565,7 @@
           <a:p>
             <a:fld id="{61D3F908-918C-4133-978B-35F442A02468}" type="datetimeFigureOut">
               <a:rPr lang="en-US" smtClean="0"/>
-              <a:t>3/29/2020</a:t>
+              <a:t>7/13/2020</a:t>
             </a:fld>
             <a:endParaRPr lang="en-US"/>
           </a:p>
@@ -3229,6 +3230,203 @@
 </p:sld>
 </file>
 
+<file path=ppt/slides/slide2.xml><?xml version="1.0" encoding="utf-8"?>
+<p:sld xmlns:a="http://schemas.openxmlformats.org/drawingml/2006/main" xmlns:r="http://schemas.openxmlformats.org/officeDocument/2006/relationships" xmlns:p="http://schemas.openxmlformats.org/presentationml/2006/main">
+  <p:cSld>
+    <p:spTree>
+      <p:nvGrpSpPr>
+        <p:cNvPr id="1" name=""/>
+        <p:cNvGrpSpPr/>
+        <p:nvPr/>
+      </p:nvGrpSpPr>
+      <p:grpSpPr>
+        <a:xfrm>
+          <a:off x="0" y="0"/>
+          <a:ext cx="0" cy="0"/>
+          <a:chOff x="0" y="0"/>
+          <a:chExt cx="0" cy="0"/>
+        </a:xfrm>
+      </p:grpSpPr>
+      <p:grpSp>
+        <p:nvGrpSpPr>
+          <p:cNvPr id="5" name="Group 4"/>
+          <p:cNvGrpSpPr/>
+          <p:nvPr/>
+        </p:nvGrpSpPr>
+        <p:grpSpPr>
+          <a:xfrm>
+            <a:off x="1840949" y="2561762"/>
+            <a:ext cx="914400" cy="1146400"/>
+            <a:chOff x="1840949" y="2561762"/>
+            <a:chExt cx="914400" cy="1146400"/>
+          </a:xfrm>
+        </p:grpSpPr>
+        <p:sp>
+          <p:nvSpPr>
+            <p:cNvPr id="2" name="Rounded Rectangle 1"/>
+            <p:cNvSpPr/>
+            <p:nvPr/>
+          </p:nvSpPr>
+          <p:spPr>
+            <a:xfrm>
+              <a:off x="1840949" y="2669449"/>
+              <a:ext cx="914400" cy="914400"/>
+            </a:xfrm>
+            <a:prstGeom prst="roundRect">
+              <a:avLst/>
+            </a:prstGeom>
+            <a:solidFill>
+              <a:schemeClr val="accent2"/>
+            </a:solidFill>
+            <a:ln w="76200">
+              <a:solidFill>
+                <a:srgbClr val="FF0000"/>
+              </a:solidFill>
+            </a:ln>
+          </p:spPr>
+          <p:style>
+            <a:lnRef idx="2">
+              <a:schemeClr val="accent1">
+                <a:shade val="50000"/>
+              </a:schemeClr>
+            </a:lnRef>
+            <a:fillRef idx="1">
+              <a:schemeClr val="accent1"/>
+            </a:fillRef>
+            <a:effectRef idx="0">
+              <a:schemeClr val="accent1"/>
+            </a:effectRef>
+            <a:fontRef idx="minor">
+              <a:schemeClr val="lt1"/>
+            </a:fontRef>
+          </p:style>
+          <p:txBody>
+            <a:bodyPr rtlCol="0" anchor="ctr"/>
+            <a:lstStyle/>
+            <a:p>
+              <a:pPr algn="ctr"/>
+              <a:endParaRPr lang="en-US"/>
+            </a:p>
+          </p:txBody>
+        </p:sp>
+        <p:sp>
+          <p:nvSpPr>
+            <p:cNvPr id="3" name="TextBox 2"/>
+            <p:cNvSpPr txBox="1"/>
+            <p:nvPr/>
+          </p:nvSpPr>
+          <p:spPr>
+            <a:xfrm>
+              <a:off x="2163625" y="2938721"/>
+              <a:ext cx="495649" cy="769441"/>
+            </a:xfrm>
+            <a:prstGeom prst="rect">
+              <a:avLst/>
+            </a:prstGeom>
+            <a:noFill/>
+          </p:spPr>
+          <p:txBody>
+            <a:bodyPr wrap="none" rtlCol="0">
+              <a:spAutoFit/>
+            </a:bodyPr>
+            <a:lstStyle/>
+            <a:p>
+              <a:r>
+                <a:rPr lang="en-US" sz="4400" b="1" dirty="0" smtClean="0">
+                  <a:latin typeface="Consolas" panose="020B0609020204030204" pitchFamily="49" charset="0"/>
+                  <a:ea typeface="Microsoft YaHei UI" panose="020B0503020204020204" pitchFamily="34" charset="-122"/>
+                  <a:cs typeface="Calibri" panose="020F0502020204030204" pitchFamily="34" charset="0"/>
+                </a:rPr>
+                <a:t>5</a:t>
+              </a:r>
+              <a:endParaRPr lang="en-US" sz="3600" b="1" dirty="0">
+                <a:latin typeface="Consolas" panose="020B0609020204030204" pitchFamily="49" charset="0"/>
+                <a:ea typeface="Microsoft YaHei UI" panose="020B0503020204020204" pitchFamily="34" charset="-122"/>
+                <a:cs typeface="Calibri" panose="020F0502020204030204" pitchFamily="34" charset="0"/>
+              </a:endParaRPr>
+            </a:p>
+          </p:txBody>
+        </p:sp>
+        <p:sp>
+          <p:nvSpPr>
+            <p:cNvPr id="4" name="Rectangle 3"/>
+            <p:cNvSpPr/>
+            <p:nvPr/>
+          </p:nvSpPr>
+          <p:spPr>
+            <a:xfrm>
+              <a:off x="1940433" y="2561762"/>
+              <a:ext cx="564578" cy="830997"/>
+            </a:xfrm>
+            <a:prstGeom prst="rect">
+              <a:avLst/>
+            </a:prstGeom>
+          </p:spPr>
+          <p:txBody>
+            <a:bodyPr wrap="none">
+              <a:spAutoFit/>
+            </a:bodyPr>
+            <a:lstStyle/>
+            <a:p>
+              <a:r>
+                <a:rPr lang="en-US" sz="4800" b="1" dirty="0" smtClean="0">
+                  <a:latin typeface="Trebuchet MS" panose="020B0603020202020204" pitchFamily="34" charset="0"/>
+                  <a:ea typeface="Microsoft YaHei UI" panose="020B0503020204020204" pitchFamily="34" charset="-122"/>
+                  <a:cs typeface="Calibri" panose="020F0502020204030204" pitchFamily="34" charset="0"/>
+                </a:rPr>
+                <a:t>K</a:t>
+              </a:r>
+              <a:endParaRPr lang="en-US" sz="4000" b="1" dirty="0">
+                <a:latin typeface="Trebuchet MS" panose="020B0603020202020204" pitchFamily="34" charset="0"/>
+                <a:ea typeface="Microsoft YaHei UI" panose="020B0503020204020204" pitchFamily="34" charset="-122"/>
+                <a:cs typeface="Calibri" panose="020F0502020204030204" pitchFamily="34" charset="0"/>
+              </a:endParaRPr>
+            </a:p>
+          </p:txBody>
+        </p:sp>
+      </p:grpSp>
+      <p:pic>
+        <p:nvPicPr>
+          <p:cNvPr id="6" name="Picture 5"/>
+          <p:cNvPicPr>
+            <a:picLocks noChangeAspect="1"/>
+          </p:cNvPicPr>
+          <p:nvPr/>
+        </p:nvPicPr>
+        <p:blipFill rotWithShape="1">
+          <a:blip r:embed="rId2">
+            <a:extLst>
+              <a:ext uri="{28A0092B-C50C-407E-A947-70E740481C1C}">
+                <a14:useLocalDpi xmlns:a14="http://schemas.microsoft.com/office/drawing/2010/main" val="0"/>
+              </a:ext>
+            </a:extLst>
+          </a:blip>
+          <a:srcRect l="10818" t="13938" r="7908" b="22887"/>
+          <a:stretch/>
+        </p:blipFill>
+        <p:spPr>
+          <a:xfrm>
+            <a:off x="4754880" y="1463040"/>
+            <a:ext cx="1005840" cy="997527"/>
+          </a:xfrm>
+          <a:prstGeom prst="rect">
+            <a:avLst/>
+          </a:prstGeom>
+        </p:spPr>
+      </p:pic>
+    </p:spTree>
+    <p:extLst>
+      <p:ext uri="{BB962C8B-B14F-4D97-AF65-F5344CB8AC3E}">
+        <p14:creationId xmlns:p14="http://schemas.microsoft.com/office/powerpoint/2010/main" val="3866219971"/>
+      </p:ext>
+    </p:extLst>
+  </p:cSld>
+  <p:clrMapOvr>
+    <a:masterClrMapping/>
+  </p:clrMapOvr>
+</p:sld>
+</file>
+
 <file path=ppt/theme/theme1.xml><?xml version="1.0" encoding="utf-8"?>
 <a:theme xmlns:a="http://schemas.openxmlformats.org/drawingml/2006/main" name="Office Theme">
   <a:themeElements>

--- a/logo2.pptx
+++ b/logo2.pptx
@@ -3255,11 +3255,12 @@
         </p:nvGrpSpPr>
         <p:grpSpPr>
           <a:xfrm>
-            <a:off x="1840949" y="2561762"/>
-            <a:ext cx="914400" cy="1146400"/>
-            <a:chOff x="1840949" y="2561762"/>
-            <a:chExt cx="914400" cy="1146400"/>
+            <a:off x="1840949" y="2561763"/>
+            <a:ext cx="914400" cy="1207955"/>
+            <a:chOff x="1840949" y="2561763"/>
+            <a:chExt cx="914400" cy="1207955"/>
           </a:xfrm>
+          <a:noFill/>
         </p:grpSpPr>
         <p:sp>
           <p:nvSpPr>
@@ -3275,13 +3276,9 @@
             <a:prstGeom prst="roundRect">
               <a:avLst/>
             </a:prstGeom>
-            <a:solidFill>
-              <a:schemeClr val="accent2"/>
-            </a:solidFill>
+            <a:grpFill/>
             <a:ln w="76200">
-              <a:solidFill>
-                <a:srgbClr val="FF0000"/>
-              </a:solidFill>
+              <a:noFill/>
             </a:ln>
           </p:spPr>
           <p:style>
@@ -3318,12 +3315,12 @@
           <p:spPr>
             <a:xfrm>
               <a:off x="2163625" y="2938721"/>
-              <a:ext cx="495649" cy="769441"/>
+              <a:ext cx="522900" cy="830997"/>
             </a:xfrm>
             <a:prstGeom prst="rect">
               <a:avLst/>
             </a:prstGeom>
-            <a:noFill/>
+            <a:grpFill/>
           </p:spPr>
           <p:txBody>
             <a:bodyPr wrap="none" rtlCol="0">
@@ -3332,14 +3329,14 @@
             <a:lstStyle/>
             <a:p>
               <a:r>
-                <a:rPr lang="en-US" sz="4400" b="1" dirty="0" smtClean="0">
+                <a:rPr lang="en-US" sz="4800" b="1" dirty="0" smtClean="0">
                   <a:latin typeface="Consolas" panose="020B0609020204030204" pitchFamily="49" charset="0"/>
                   <a:ea typeface="Microsoft YaHei UI" panose="020B0503020204020204" pitchFamily="34" charset="-122"/>
                   <a:cs typeface="Calibri" panose="020F0502020204030204" pitchFamily="34" charset="0"/>
                 </a:rPr>
                 <a:t>5</a:t>
               </a:r>
-              <a:endParaRPr lang="en-US" sz="3600" b="1" dirty="0">
+              <a:endParaRPr lang="en-US" sz="4000" b="1" dirty="0">
                 <a:latin typeface="Consolas" panose="020B0609020204030204" pitchFamily="49" charset="0"/>
                 <a:ea typeface="Microsoft YaHei UI" panose="020B0503020204020204" pitchFamily="34" charset="-122"/>
                 <a:cs typeface="Calibri" panose="020F0502020204030204" pitchFamily="34" charset="0"/>
@@ -3355,15 +3352,16 @@
           </p:nvSpPr>
           <p:spPr>
             <a:xfrm>
-              <a:off x="1940433" y="2561762"/>
-              <a:ext cx="564578" cy="830997"/>
+              <a:off x="1940433" y="2561763"/>
+              <a:ext cx="536760" cy="830997"/>
             </a:xfrm>
             <a:prstGeom prst="rect">
               <a:avLst/>
             </a:prstGeom>
+            <a:grpFill/>
           </p:spPr>
           <p:txBody>
-            <a:bodyPr wrap="none">
+            <a:bodyPr wrap="square">
               <a:spAutoFit/>
             </a:bodyPr>
             <a:lstStyle/>
@@ -3387,7 +3385,7 @@
       </p:grpSp>
       <p:pic>
         <p:nvPicPr>
-          <p:cNvPr id="6" name="Picture 5"/>
+          <p:cNvPr id="12" name="Picture 11"/>
           <p:cNvPicPr>
             <a:picLocks noChangeAspect="1"/>
           </p:cNvPicPr>
@@ -3401,13 +3399,13 @@
               </a:ext>
             </a:extLst>
           </a:blip>
-          <a:srcRect l="10818" t="13938" r="7908" b="22887"/>
+          <a:srcRect l="14269" t="15414" r="13075" b="27855"/>
           <a:stretch/>
         </p:blipFill>
         <p:spPr>
           <a:xfrm>
-            <a:off x="4754880" y="1463040"/>
-            <a:ext cx="1005840" cy="997527"/>
+            <a:off x="5627716" y="2851265"/>
+            <a:ext cx="906087" cy="914400"/>
           </a:xfrm>
           <a:prstGeom prst="rect">
             <a:avLst/>
